--- a/Song recommendation.pptx
+++ b/Song recommendation.pptx
@@ -3176,7 +3176,7 @@
               </a:lnSpc>
             </a:pPr>
             <a:r>
-              <a:rPr lang="en-US" sz="10851">
+              <a:rPr lang="en-US" sz="10851" dirty="0">
                 <a:solidFill>
                   <a:srgbClr val="FFFFFF"/>
                 </a:solidFill>
@@ -3192,7 +3192,7 @@
               </a:lnSpc>
             </a:pPr>
             <a:r>
-              <a:rPr lang="en-US" sz="10851">
+              <a:rPr lang="en-US" sz="10851" dirty="0">
                 <a:solidFill>
                   <a:srgbClr val="FFFFFF"/>
                 </a:solidFill>
@@ -3212,7 +3212,7 @@
         <p:spPr>
           <a:xfrm>
             <a:off x="9144000" y="6889284"/>
-            <a:ext cx="8115300" cy="2369016"/>
+            <a:ext cx="8115300" cy="2419765"/>
           </a:xfrm>
           <a:prstGeom prst="rect">
             <a:avLst/>
@@ -3230,7 +3230,7 @@
               </a:lnSpc>
             </a:pPr>
             <a:r>
-              <a:rPr lang="en-US" sz="2731">
+              <a:rPr lang="en-US" sz="2731" dirty="0">
                 <a:solidFill>
                   <a:srgbClr val="FFFFFF"/>
                 </a:solidFill>
@@ -3246,7 +3246,7 @@
               </a:lnSpc>
             </a:pPr>
             <a:r>
-              <a:rPr lang="en-US" sz="2731">
+              <a:rPr lang="en-US" sz="2731" dirty="0">
                 <a:solidFill>
                   <a:srgbClr val="FFFFFF"/>
                 </a:solidFill>
@@ -3262,7 +3262,7 @@
               </a:lnSpc>
             </a:pPr>
             <a:r>
-              <a:rPr lang="en-US" sz="2731">
+              <a:rPr lang="en-US" sz="2731" dirty="0">
                 <a:solidFill>
                   <a:srgbClr val="FFFFFF"/>
                 </a:solidFill>
@@ -3287,7 +3287,7 @@
                 </a:solidFill>
                 <a:latin typeface="HK Grotesk Medium"/>
               </a:rPr>
-              <a:t>THANTHAI PERIYAR GOVERNMENT INSTITUTE OF TECHNOLOGY-VELLORE</a:t>
+              <a:t>THANTHAI PERIYAR GOVERNMENT INSTITUTE OF TECHNOLOGY-VELLORE.</a:t>
             </a:r>
           </a:p>
         </p:txBody>
